--- a/Other/Cocept Generation and Selection.pptx
+++ b/Other/Cocept Generation and Selection.pptx
@@ -13,9 +13,9 @@
   <p:sldIdLst>
     <p:sldId id="324" r:id="rId5"/>
     <p:sldId id="302" r:id="rId6"/>
-    <p:sldId id="315" r:id="rId7"/>
-    <p:sldId id="314" r:id="rId8"/>
-    <p:sldId id="326" r:id="rId9"/>
+    <p:sldId id="314" r:id="rId7"/>
+    <p:sldId id="326" r:id="rId8"/>
+    <p:sldId id="315" r:id="rId9"/>
     <p:sldId id="313" r:id="rId10"/>
   </p:sldIdLst>
   <p:sldSz cx="12192000" cy="6858000"/>
@@ -268,7 +268,7 @@
           <a:p>
             <a:fld id="{2D9EC30E-1A71-4188-9BE7-E2A64929A436}" type="datetimeFigureOut">
               <a:rPr lang="en-US" noProof="0" smtClean="0"/>
-              <a:t>5/4/2022</a:t>
+              <a:t>6/30/2022</a:t>
             </a:fld>
             <a:endParaRPr lang="en-US" noProof="0" dirty="0"/>
           </a:p>
@@ -702,14 +702,14 @@
           <a:bodyPr/>
           <a:lstStyle/>
           <a:p>
-            <a:endParaRPr lang="en-IN"/>
+            <a:endParaRPr lang="en-US" dirty="0"/>
           </a:p>
         </p:txBody>
       </p:sp>
     </p:spTree>
     <p:extLst>
       <p:ext uri="{BB962C8B-B14F-4D97-AF65-F5344CB8AC3E}">
-        <p14:creationId xmlns:p14="http://schemas.microsoft.com/office/powerpoint/2010/main" val="2551792098"/>
+        <p14:creationId xmlns:p14="http://schemas.microsoft.com/office/powerpoint/2010/main" val="4165856238"/>
       </p:ext>
     </p:extLst>
   </p:cSld>
@@ -770,7 +770,7 @@
     </p:spTree>
     <p:extLst>
       <p:ext uri="{BB962C8B-B14F-4D97-AF65-F5344CB8AC3E}">
-        <p14:creationId xmlns:p14="http://schemas.microsoft.com/office/powerpoint/2010/main" val="4165856238"/>
+        <p14:creationId xmlns:p14="http://schemas.microsoft.com/office/powerpoint/2010/main" val="4170831856"/>
       </p:ext>
     </p:extLst>
   </p:cSld>
@@ -824,14 +824,14 @@
           <a:bodyPr/>
           <a:lstStyle/>
           <a:p>
-            <a:endParaRPr lang="en-US" dirty="0"/>
+            <a:endParaRPr lang="en-IN"/>
           </a:p>
         </p:txBody>
       </p:sp>
     </p:spTree>
     <p:extLst>
       <p:ext uri="{BB962C8B-B14F-4D97-AF65-F5344CB8AC3E}">
-        <p14:creationId xmlns:p14="http://schemas.microsoft.com/office/powerpoint/2010/main" val="4170831856"/>
+        <p14:creationId xmlns:p14="http://schemas.microsoft.com/office/powerpoint/2010/main" val="2551792098"/>
       </p:ext>
     </p:extLst>
   </p:cSld>
@@ -9697,846 +9697,6 @@
 <file path=ppt/slides/slide3.xml><?xml version="1.0" encoding="utf-8"?>
 <p:sld xmlns:a="http://schemas.openxmlformats.org/drawingml/2006/main" xmlns:r="http://schemas.openxmlformats.org/officeDocument/2006/relationships" xmlns:p="http://schemas.openxmlformats.org/presentationml/2006/main" showMasterSp="0">
   <p:cSld>
-    <p:bg>
-      <p:bgPr>
-        <a:solidFill>
-          <a:schemeClr val="bg1">
-            <a:lumMod val="95000"/>
-          </a:schemeClr>
-        </a:solidFill>
-        <a:effectLst/>
-      </p:bgPr>
-    </p:bg>
-    <p:spTree>
-      <p:nvGrpSpPr>
-        <p:cNvPr id="1" name=""/>
-        <p:cNvGrpSpPr/>
-        <p:nvPr/>
-      </p:nvGrpSpPr>
-      <p:grpSpPr>
-        <a:xfrm>
-          <a:off x="0" y="0"/>
-          <a:ext cx="0" cy="0"/>
-          <a:chOff x="0" y="0"/>
-          <a:chExt cx="0" cy="0"/>
-        </a:xfrm>
-      </p:grpSpPr>
-      <p:sp>
-        <p:nvSpPr>
-          <p:cNvPr id="6" name="Title 4">
-            <a:extLst>
-              <a:ext uri="{FF2B5EF4-FFF2-40B4-BE49-F238E27FC236}">
-                <a16:creationId xmlns:a16="http://schemas.microsoft.com/office/drawing/2014/main" id="{0D8B5019-EDBF-BC0E-4B5D-00382962D7E4}"/>
-              </a:ext>
-            </a:extLst>
-          </p:cNvPr>
-          <p:cNvSpPr>
-            <a:spLocks noGrp="1"/>
-          </p:cNvSpPr>
-          <p:nvPr>
-            <p:ph type="title"/>
-          </p:nvPr>
-        </p:nvSpPr>
-        <p:spPr>
-          <a:xfrm>
-            <a:off x="660399" y="318652"/>
-            <a:ext cx="5497120" cy="830997"/>
-          </a:xfrm>
-        </p:spPr>
-        <p:txBody>
-          <a:bodyPr/>
-          <a:lstStyle/>
-          <a:p>
-            <a:r>
-              <a:rPr lang="en-US" sz="3600" dirty="0"/>
-              <a:t>Patent Search</a:t>
-            </a:r>
-          </a:p>
-        </p:txBody>
-      </p:sp>
-      <p:graphicFrame>
-        <p:nvGraphicFramePr>
-          <p:cNvPr id="7" name="Table 2">
-            <a:extLst>
-              <a:ext uri="{FF2B5EF4-FFF2-40B4-BE49-F238E27FC236}">
-                <a16:creationId xmlns:a16="http://schemas.microsoft.com/office/drawing/2014/main" id="{900C630F-1D04-8CBE-3D0A-810749501462}"/>
-              </a:ext>
-            </a:extLst>
-          </p:cNvPr>
-          <p:cNvGraphicFramePr>
-            <a:graphicFrameLocks noGrp="1"/>
-          </p:cNvGraphicFramePr>
-          <p:nvPr>
-            <p:extLst>
-              <p:ext uri="{D42A27DB-BD31-4B8C-83A1-F6EECF244321}">
-                <p14:modId xmlns:p14="http://schemas.microsoft.com/office/powerpoint/2010/main" val="2452644683"/>
-              </p:ext>
-            </p:extLst>
-          </p:nvPr>
-        </p:nvGraphicFramePr>
-        <p:xfrm>
-          <a:off x="660399" y="1149649"/>
-          <a:ext cx="11134521" cy="5120640"/>
-        </p:xfrm>
-        <a:graphic>
-          <a:graphicData uri="http://schemas.openxmlformats.org/drawingml/2006/table">
-            <a:tbl>
-              <a:tblPr firstRow="1" bandRow="1">
-                <a:tableStyleId>{6E25E649-3F16-4E02-A733-19D2CDBF48F0}</a:tableStyleId>
-              </a:tblPr>
-              <a:tblGrid>
-                <a:gridCol w="3711507">
-                  <a:extLst>
-                    <a:ext uri="{9D8B030D-6E8A-4147-A177-3AD203B41FA5}">
-                      <a16:colId xmlns:a16="http://schemas.microsoft.com/office/drawing/2014/main" val="1466334010"/>
-                    </a:ext>
-                  </a:extLst>
-                </a:gridCol>
-                <a:gridCol w="3711507">
-                  <a:extLst>
-                    <a:ext uri="{9D8B030D-6E8A-4147-A177-3AD203B41FA5}">
-                      <a16:colId xmlns:a16="http://schemas.microsoft.com/office/drawing/2014/main" val="21174850"/>
-                    </a:ext>
-                  </a:extLst>
-                </a:gridCol>
-                <a:gridCol w="3711507">
-                  <a:extLst>
-                    <a:ext uri="{9D8B030D-6E8A-4147-A177-3AD203B41FA5}">
-                      <a16:colId xmlns:a16="http://schemas.microsoft.com/office/drawing/2014/main" val="3198616081"/>
-                    </a:ext>
-                  </a:extLst>
-                </a:gridCol>
-              </a:tblGrid>
-              <a:tr h="361918">
-                <a:tc>
-                  <a:txBody>
-                    <a:bodyPr/>
-                    <a:lstStyle/>
-                    <a:p>
-                      <a:r>
-                        <a:rPr lang="en-IN" dirty="0"/>
-                        <a:t>Project</a:t>
-                      </a:r>
-                    </a:p>
-                  </a:txBody>
-                  <a:tcPr/>
-                </a:tc>
-                <a:tc>
-                  <a:txBody>
-                    <a:bodyPr/>
-                    <a:lstStyle/>
-                    <a:p>
-                      <a:r>
-                        <a:rPr lang="en-IN" dirty="0"/>
-                        <a:t>Done by</a:t>
-                      </a:r>
-                    </a:p>
-                  </a:txBody>
-                  <a:tcPr/>
-                </a:tc>
-                <a:tc>
-                  <a:txBody>
-                    <a:bodyPr/>
-                    <a:lstStyle/>
-                    <a:p>
-                      <a:r>
-                        <a:rPr lang="en-IN" dirty="0"/>
-                        <a:t>Published on</a:t>
-                      </a:r>
-                    </a:p>
-                  </a:txBody>
-                  <a:tcPr/>
-                </a:tc>
-                <a:extLst>
-                  <a:ext uri="{0D108BD9-81ED-4DB2-BD59-A6C34878D82A}">
-                    <a16:rowId xmlns:a16="http://schemas.microsoft.com/office/drawing/2014/main" val="439294760"/>
-                  </a:ext>
-                </a:extLst>
-              </a:tr>
-              <a:tr h="873261">
-                <a:tc>
-                  <a:txBody>
-                    <a:bodyPr/>
-                    <a:lstStyle/>
-                    <a:p>
-                      <a:pPr marL="0" marR="0" lvl="0" indent="0" algn="l" defTabSz="914400" rtl="0" eaLnBrk="1" fontAlgn="auto" latinLnBrk="0" hangingPunct="1">
-                        <a:lnSpc>
-                          <a:spcPct val="100000"/>
-                        </a:lnSpc>
-                        <a:spcBef>
-                          <a:spcPts val="0"/>
-                        </a:spcBef>
-                        <a:spcAft>
-                          <a:spcPts val="0"/>
-                        </a:spcAft>
-                        <a:buClrTx/>
-                        <a:buSzTx/>
-                        <a:buFontTx/>
-                        <a:buNone/>
-                        <a:tabLst/>
-                        <a:defRPr/>
-                      </a:pPr>
-                      <a:r>
-                        <a:rPr lang="en-US" sz="1800" b="0" i="0" kern="1200" dirty="0">
-                          <a:solidFill>
-                            <a:schemeClr val="dk1"/>
-                          </a:solidFill>
-                          <a:effectLst/>
-                          <a:latin typeface="+mn-lt"/>
-                          <a:ea typeface="+mn-ea"/>
-                          <a:cs typeface="+mn-cs"/>
-                        </a:rPr>
-                        <a:t>Crowdfunding in higher education: evidence from UK Universities</a:t>
-                      </a:r>
-                    </a:p>
-                    <a:p>
-                      <a:endParaRPr lang="en-IN" dirty="0"/>
-                    </a:p>
-                  </a:txBody>
-                  <a:tcPr/>
-                </a:tc>
-                <a:tc>
-                  <a:txBody>
-                    <a:bodyPr/>
-                    <a:lstStyle/>
-                    <a:p>
-                      <a:r>
-                        <a:rPr lang="en-IN" sz="1800" b="0" kern="1200" dirty="0">
-                          <a:solidFill>
-                            <a:schemeClr val="tx1"/>
-                          </a:solidFill>
-                          <a:effectLst/>
-                          <a:latin typeface="+mn-lt"/>
-                          <a:ea typeface="+mn-ea"/>
-                          <a:cs typeface="+mn-cs"/>
-                          <a:hlinkClick r:id="rId3">
-                            <a:extLst>
-                              <a:ext uri="{A12FA001-AC4F-418D-AE19-62706E023703}">
-                                <ahyp:hlinkClr xmlns:ahyp="http://schemas.microsoft.com/office/drawing/2018/hyperlinkcolor" val="tx"/>
-                              </a:ext>
-                            </a:extLst>
-                          </a:hlinkClick>
-                        </a:rPr>
-                        <a:t>Hugo Horta</a:t>
-                      </a:r>
-                      <a:r>
-                        <a:rPr lang="en-IN" b="0" dirty="0">
-                          <a:solidFill>
-                            <a:schemeClr val="tx1"/>
-                          </a:solidFill>
-                        </a:rPr>
-                        <a:t>, </a:t>
-                      </a:r>
-                      <a:r>
-                        <a:rPr lang="en-IN" sz="1800" b="0" kern="1200" dirty="0">
-                          <a:solidFill>
-                            <a:srgbClr val="9454C3"/>
-                          </a:solidFill>
-                          <a:effectLst/>
-                          <a:latin typeface="+mn-lt"/>
-                          <a:ea typeface="+mn-ea"/>
-                          <a:cs typeface="+mn-cs"/>
-                          <a:hlinkClick r:id="rId4">
-                            <a:extLst>
-                              <a:ext uri="{A12FA001-AC4F-418D-AE19-62706E023703}">
-                                <ahyp:hlinkClr xmlns:ahyp="http://schemas.microsoft.com/office/drawing/2018/hyperlinkcolor" val="tx"/>
-                              </a:ext>
-                            </a:extLst>
-                          </a:hlinkClick>
-                        </a:rPr>
-                        <a:t>Michele </a:t>
-                      </a:r>
-                      <a:r>
-                        <a:rPr lang="en-IN" sz="1800" b="0" kern="1200" dirty="0" err="1">
-                          <a:solidFill>
-                            <a:schemeClr val="tx1"/>
-                          </a:solidFill>
-                          <a:effectLst/>
-                          <a:latin typeface="+mn-lt"/>
-                          <a:ea typeface="+mn-ea"/>
-                          <a:cs typeface="+mn-cs"/>
-                          <a:hlinkClick r:id="rId4">
-                            <a:extLst>
-                              <a:ext uri="{A12FA001-AC4F-418D-AE19-62706E023703}">
-                                <ahyp:hlinkClr xmlns:ahyp="http://schemas.microsoft.com/office/drawing/2018/hyperlinkcolor" val="tx"/>
-                              </a:ext>
-                            </a:extLst>
-                          </a:hlinkClick>
-                        </a:rPr>
-                        <a:t>Meoli</a:t>
-                      </a:r>
-                      <a:r>
-                        <a:rPr lang="en-IN" b="0" dirty="0">
-                          <a:solidFill>
-                            <a:schemeClr val="tx1"/>
-                          </a:solidFill>
-                        </a:rPr>
-                        <a:t> &amp; </a:t>
-                      </a:r>
-                      <a:r>
-                        <a:rPr lang="en-IN" sz="1800" b="0" kern="1200" dirty="0">
-                          <a:solidFill>
-                            <a:schemeClr val="tx1"/>
-                          </a:solidFill>
-                          <a:effectLst/>
-                          <a:latin typeface="+mn-lt"/>
-                          <a:ea typeface="+mn-ea"/>
-                          <a:cs typeface="+mn-cs"/>
-                          <a:hlinkClick r:id="rId5">
-                            <a:extLst>
-                              <a:ext uri="{A12FA001-AC4F-418D-AE19-62706E023703}">
-                                <ahyp:hlinkClr xmlns:ahyp="http://schemas.microsoft.com/office/drawing/2018/hyperlinkcolor" val="tx"/>
-                              </a:ext>
-                            </a:extLst>
-                          </a:hlinkClick>
-                        </a:rPr>
-                        <a:t>Silvio Vismara</a:t>
-                      </a:r>
-                      <a:r>
-                        <a:rPr lang="en-IN" b="0" dirty="0">
-                          <a:solidFill>
-                            <a:schemeClr val="tx1"/>
-                          </a:solidFill>
-                        </a:rPr>
-                        <a:t> </a:t>
-                      </a:r>
-                    </a:p>
-                  </a:txBody>
-                  <a:tcPr/>
-                </a:tc>
-                <a:tc>
-                  <a:txBody>
-                    <a:bodyPr/>
-                    <a:lstStyle/>
-                    <a:p>
-                      <a:r>
-                        <a:rPr lang="en-IN" dirty="0"/>
-                        <a:t>17 March 2021</a:t>
-                      </a:r>
-                    </a:p>
-                  </a:txBody>
-                  <a:tcPr/>
-                </a:tc>
-                <a:extLst>
-                  <a:ext uri="{0D108BD9-81ED-4DB2-BD59-A6C34878D82A}">
-                    <a16:rowId xmlns:a16="http://schemas.microsoft.com/office/drawing/2014/main" val="938574335"/>
-                  </a:ext>
-                </a:extLst>
-              </a:tr>
-              <a:tr h="1135240">
-                <a:tc>
-                  <a:txBody>
-                    <a:bodyPr/>
-                    <a:lstStyle/>
-                    <a:p>
-                      <a:r>
-                        <a:rPr lang="en-US" sz="1800" b="0" i="0" kern="1200" dirty="0">
-                          <a:solidFill>
-                            <a:schemeClr val="dk1"/>
-                          </a:solidFill>
-                          <a:effectLst/>
-                          <a:latin typeface="+mn-lt"/>
-                          <a:ea typeface="+mn-ea"/>
-                          <a:cs typeface="+mn-cs"/>
-                        </a:rPr>
-                        <a:t>Higher education and stakeholders’ donations: successful civic crowdfunding in an Italian university</a:t>
-                      </a:r>
-                      <a:endParaRPr lang="en-IN" b="0" dirty="0"/>
-                    </a:p>
-                  </a:txBody>
-                  <a:tcPr/>
-                </a:tc>
-                <a:tc>
-                  <a:txBody>
-                    <a:bodyPr/>
-                    <a:lstStyle/>
-                    <a:p>
-                      <a:r>
-                        <a:rPr lang="it-IT" sz="1800" b="0" i="0" u="none" strike="noStrike" kern="1200" dirty="0">
-                          <a:solidFill>
-                            <a:schemeClr val="tx1"/>
-                          </a:solidFill>
-                          <a:effectLst/>
-                          <a:latin typeface="+mn-lt"/>
-                          <a:ea typeface="+mn-ea"/>
-                          <a:cs typeface="+mn-cs"/>
-                          <a:hlinkClick r:id="rId6">
-                            <a:extLst>
-                              <a:ext uri="{A12FA001-AC4F-418D-AE19-62706E023703}">
-                                <ahyp:hlinkClr xmlns:ahyp="http://schemas.microsoft.com/office/drawing/2018/hyperlinkcolor" val="tx"/>
-                              </a:ext>
-                            </a:extLst>
-                          </a:hlinkClick>
-                        </a:rPr>
-                        <a:t>Nathalie Colasanti</a:t>
-                      </a:r>
-                      <a:endParaRPr lang="it-IT" sz="1800" b="0" i="0" u="none" strike="noStrike" kern="1200" dirty="0">
-                        <a:solidFill>
-                          <a:schemeClr val="tx1"/>
-                        </a:solidFill>
-                        <a:effectLst/>
-                        <a:latin typeface="+mn-lt"/>
-                        <a:ea typeface="+mn-ea"/>
-                        <a:cs typeface="+mn-cs"/>
-                      </a:endParaRPr>
-                    </a:p>
-                    <a:p>
-                      <a:r>
-                        <a:rPr lang="it-IT" sz="1800" b="0" i="0" u="none" kern="1200" dirty="0">
-                          <a:solidFill>
-                            <a:schemeClr val="tx1"/>
-                          </a:solidFill>
-                          <a:effectLst/>
-                          <a:latin typeface="+mn-lt"/>
-                          <a:ea typeface="+mn-ea"/>
-                          <a:cs typeface="+mn-cs"/>
-                        </a:rPr>
-                        <a:t>,</a:t>
-                      </a:r>
-                      <a:r>
-                        <a:rPr lang="it-IT" sz="1800" b="0" i="0" u="none" strike="noStrike" kern="1200" dirty="0">
-                          <a:solidFill>
-                            <a:schemeClr val="tx1"/>
-                          </a:solidFill>
-                          <a:effectLst/>
-                          <a:latin typeface="+mn-lt"/>
-                          <a:ea typeface="+mn-ea"/>
-                          <a:cs typeface="+mn-cs"/>
-                          <a:hlinkClick r:id="rId7">
-                            <a:extLst>
-                              <a:ext uri="{A12FA001-AC4F-418D-AE19-62706E023703}">
-                                <ahyp:hlinkClr xmlns:ahyp="http://schemas.microsoft.com/office/drawing/2018/hyperlinkcolor" val="tx"/>
-                              </a:ext>
-                            </a:extLst>
-                          </a:hlinkClick>
-                        </a:rPr>
-                        <a:t>Rocco Frondizi</a:t>
-                      </a:r>
-                      <a:endParaRPr lang="it-IT" sz="1800" b="0" i="0" u="none" strike="noStrike" kern="1200" dirty="0">
-                        <a:solidFill>
-                          <a:schemeClr val="tx1"/>
-                        </a:solidFill>
-                        <a:effectLst/>
-                        <a:latin typeface="+mn-lt"/>
-                        <a:ea typeface="+mn-ea"/>
-                        <a:cs typeface="+mn-cs"/>
-                      </a:endParaRPr>
-                    </a:p>
-                    <a:p>
-                      <a:r>
-                        <a:rPr lang="it-IT" sz="1800" b="0" i="0" u="none" kern="1200" dirty="0">
-                          <a:solidFill>
-                            <a:schemeClr val="tx1"/>
-                          </a:solidFill>
-                          <a:effectLst/>
-                          <a:latin typeface="+mn-lt"/>
-                          <a:ea typeface="+mn-ea"/>
-                          <a:cs typeface="+mn-cs"/>
-                        </a:rPr>
-                        <a:t> &amp;</a:t>
-                      </a:r>
-                      <a:r>
-                        <a:rPr lang="it-IT" sz="1800" b="0" i="0" u="none" strike="noStrike" kern="1200" dirty="0">
-                          <a:solidFill>
-                            <a:schemeClr val="tx1"/>
-                          </a:solidFill>
-                          <a:effectLst/>
-                          <a:latin typeface="+mn-lt"/>
-                          <a:ea typeface="+mn-ea"/>
-                          <a:cs typeface="+mn-cs"/>
-                          <a:hlinkClick r:id="rId8">
-                            <a:extLst>
-                              <a:ext uri="{A12FA001-AC4F-418D-AE19-62706E023703}">
-                                <ahyp:hlinkClr xmlns:ahyp="http://schemas.microsoft.com/office/drawing/2018/hyperlinkcolor" val="tx"/>
-                              </a:ext>
-                            </a:extLst>
-                          </a:hlinkClick>
-                        </a:rPr>
-                        <a:t>Marco Meneguzzo</a:t>
-                      </a:r>
-                      <a:endParaRPr lang="it-IT" sz="1800" b="0" i="0" u="none" strike="noStrike" kern="1200" dirty="0">
-                        <a:solidFill>
-                          <a:schemeClr val="tx1"/>
-                        </a:solidFill>
-                        <a:effectLst/>
-                        <a:latin typeface="+mn-lt"/>
-                        <a:ea typeface="+mn-ea"/>
-                        <a:cs typeface="+mn-cs"/>
-                      </a:endParaRPr>
-                    </a:p>
-                    <a:p>
-                      <a:endParaRPr lang="en-IN" dirty="0"/>
-                    </a:p>
-                  </a:txBody>
-                  <a:tcPr/>
-                </a:tc>
-                <a:tc>
-                  <a:txBody>
-                    <a:bodyPr/>
-                    <a:lstStyle/>
-                    <a:p>
-                      <a:r>
-                        <a:rPr lang="en-IN" dirty="0"/>
-                        <a:t>22 March 2018</a:t>
-                      </a:r>
-                    </a:p>
-                  </a:txBody>
-                  <a:tcPr/>
-                </a:tc>
-                <a:extLst>
-                  <a:ext uri="{0D108BD9-81ED-4DB2-BD59-A6C34878D82A}">
-                    <a16:rowId xmlns:a16="http://schemas.microsoft.com/office/drawing/2014/main" val="4087782886"/>
-                  </a:ext>
-                </a:extLst>
-              </a:tr>
-              <a:tr h="1397218">
-                <a:tc>
-                  <a:txBody>
-                    <a:bodyPr/>
-                    <a:lstStyle/>
-                    <a:p>
-                      <a:pPr marL="0" marR="0" lvl="0" indent="0" algn="l" defTabSz="914400" rtl="0" eaLnBrk="1" fontAlgn="auto" latinLnBrk="0" hangingPunct="1">
-                        <a:lnSpc>
-                          <a:spcPct val="100000"/>
-                        </a:lnSpc>
-                        <a:spcBef>
-                          <a:spcPts val="0"/>
-                        </a:spcBef>
-                        <a:spcAft>
-                          <a:spcPts val="0"/>
-                        </a:spcAft>
-                        <a:buClrTx/>
-                        <a:buSzTx/>
-                        <a:buFontTx/>
-                        <a:buNone/>
-                        <a:tabLst/>
-                        <a:defRPr/>
-                      </a:pPr>
-                      <a:r>
-                        <a:rPr lang="en-US" sz="1800" b="0" i="0" kern="1200" dirty="0">
-                          <a:solidFill>
-                            <a:schemeClr val="dk1"/>
-                          </a:solidFill>
-                          <a:effectLst/>
-                          <a:latin typeface="+mn-lt"/>
-                          <a:ea typeface="+mn-ea"/>
-                          <a:cs typeface="+mn-cs"/>
-                        </a:rPr>
-                        <a:t>Empowering Education with Crowdfunding: The Role of Crowdfunded Resources and Crowd Screening</a:t>
-                      </a:r>
-                    </a:p>
-                    <a:p>
-                      <a:endParaRPr lang="en-IN" b="0" dirty="0"/>
-                    </a:p>
-                  </a:txBody>
-                  <a:tcPr/>
-                </a:tc>
-                <a:tc>
-                  <a:txBody>
-                    <a:bodyPr/>
-                    <a:lstStyle/>
-                    <a:p>
-                      <a:r>
-                        <a:rPr lang="en-IN" sz="1800" b="0" i="0" u="sng" kern="1200" dirty="0">
-                          <a:solidFill>
-                            <a:schemeClr val="tx1"/>
-                          </a:solidFill>
-                          <a:effectLst/>
-                          <a:latin typeface="+mn-lt"/>
-                          <a:ea typeface="+mn-ea"/>
-                          <a:cs typeface="+mn-cs"/>
-                          <a:hlinkClick r:id="rId9">
-                            <a:extLst>
-                              <a:ext uri="{A12FA001-AC4F-418D-AE19-62706E023703}">
-                                <ahyp:hlinkClr xmlns:ahyp="http://schemas.microsoft.com/office/drawing/2018/hyperlinkcolor" val="tx"/>
-                              </a:ext>
-                            </a:extLst>
-                          </a:hlinkClick>
-                        </a:rPr>
-                        <a:t>Chen Zhou</a:t>
-                      </a:r>
-                      <a:r>
-                        <a:rPr lang="en-IN" sz="1800" b="0" i="0" kern="1200" dirty="0">
-                          <a:solidFill>
-                            <a:schemeClr val="tx1"/>
-                          </a:solidFill>
-                          <a:effectLst/>
-                          <a:latin typeface="+mn-lt"/>
-                          <a:ea typeface="+mn-ea"/>
-                          <a:cs typeface="+mn-cs"/>
-                        </a:rPr>
-                        <a:t>, </a:t>
-                      </a:r>
-                      <a:r>
-                        <a:rPr lang="en-IN" sz="1800" b="0" i="0" u="none" strike="noStrike" kern="1200" dirty="0">
-                          <a:solidFill>
-                            <a:schemeClr val="tx1"/>
-                          </a:solidFill>
-                          <a:effectLst/>
-                          <a:latin typeface="+mn-lt"/>
-                          <a:ea typeface="+mn-ea"/>
-                          <a:cs typeface="+mn-cs"/>
-                          <a:hlinkClick r:id="rId10">
-                            <a:extLst>
-                              <a:ext uri="{A12FA001-AC4F-418D-AE19-62706E023703}">
-                                <ahyp:hlinkClr xmlns:ahyp="http://schemas.microsoft.com/office/drawing/2018/hyperlinkcolor" val="tx"/>
-                              </a:ext>
-                            </a:extLst>
-                          </a:hlinkClick>
-                        </a:rPr>
-                        <a:t>Manpreet Gill</a:t>
-                      </a:r>
-                      <a:r>
-                        <a:rPr lang="en-IN" sz="1800" b="0" i="0" kern="1200" dirty="0">
-                          <a:solidFill>
-                            <a:schemeClr val="tx1"/>
-                          </a:solidFill>
-                          <a:effectLst/>
-                          <a:latin typeface="+mn-lt"/>
-                          <a:ea typeface="+mn-ea"/>
-                          <a:cs typeface="+mn-cs"/>
-                        </a:rPr>
-                        <a:t>, </a:t>
-                      </a:r>
-                      <a:r>
-                        <a:rPr lang="en-IN" sz="1800" b="0" i="0" u="none" strike="noStrike" kern="1200" dirty="0" err="1">
-                          <a:solidFill>
-                            <a:srgbClr val="9454C3"/>
-                          </a:solidFill>
-                          <a:effectLst/>
-                          <a:latin typeface="+mn-lt"/>
-                          <a:ea typeface="+mn-ea"/>
-                          <a:cs typeface="+mn-cs"/>
-                          <a:hlinkClick r:id="rId11">
-                            <a:extLst>
-                              <a:ext uri="{A12FA001-AC4F-418D-AE19-62706E023703}">
-                                <ahyp:hlinkClr xmlns:ahyp="http://schemas.microsoft.com/office/drawing/2018/hyperlinkcolor" val="tx"/>
-                              </a:ext>
-                            </a:extLst>
-                          </a:hlinkClick>
-                        </a:rPr>
-                        <a:t>Qiang</a:t>
-                      </a:r>
-                      <a:r>
-                        <a:rPr lang="en-IN" sz="1800" b="0" i="0" u="none" strike="noStrike" kern="1200" dirty="0">
-                          <a:solidFill>
-                            <a:schemeClr val="tx1"/>
-                          </a:solidFill>
-                          <a:effectLst/>
-                          <a:latin typeface="+mn-lt"/>
-                          <a:ea typeface="+mn-ea"/>
-                          <a:cs typeface="+mn-cs"/>
-                          <a:hlinkClick r:id="rId11">
-                            <a:extLst>
-                              <a:ext uri="{A12FA001-AC4F-418D-AE19-62706E023703}">
-                                <ahyp:hlinkClr xmlns:ahyp="http://schemas.microsoft.com/office/drawing/2018/hyperlinkcolor" val="tx"/>
-                              </a:ext>
-                            </a:extLst>
-                          </a:hlinkClick>
-                        </a:rPr>
-                        <a:t> Liu</a:t>
-                      </a:r>
-                      <a:endParaRPr lang="en-IN" b="1" dirty="0">
-                        <a:solidFill>
-                          <a:schemeClr val="tx1"/>
-                        </a:solidFill>
-                      </a:endParaRPr>
-                    </a:p>
-                  </a:txBody>
-                  <a:tcPr/>
-                </a:tc>
-                <a:tc>
-                  <a:txBody>
-                    <a:bodyPr/>
-                    <a:lstStyle/>
-                    <a:p>
-                      <a:r>
-                        <a:rPr lang="en-IN" dirty="0"/>
-                        <a:t>November 2 2021</a:t>
-                      </a:r>
-                    </a:p>
-                  </a:txBody>
-                  <a:tcPr/>
-                </a:tc>
-                <a:extLst>
-                  <a:ext uri="{0D108BD9-81ED-4DB2-BD59-A6C34878D82A}">
-                    <a16:rowId xmlns:a16="http://schemas.microsoft.com/office/drawing/2014/main" val="2444474451"/>
-                  </a:ext>
-                </a:extLst>
-              </a:tr>
-              <a:tr h="873261">
-                <a:tc>
-                  <a:txBody>
-                    <a:bodyPr/>
-                    <a:lstStyle/>
-                    <a:p>
-                      <a:r>
-                        <a:rPr lang="en-US" sz="1800" b="0" i="0" u="none" strike="noStrike" kern="1200" dirty="0">
-                          <a:solidFill>
-                            <a:schemeClr val="tx1"/>
-                          </a:solidFill>
-                          <a:effectLst/>
-                          <a:latin typeface="+mn-lt"/>
-                          <a:ea typeface="+mn-ea"/>
-                          <a:cs typeface="+mn-cs"/>
-                        </a:rPr>
-                        <a:t>How to Use Crowdfunding in Extension: A Relationship Education Example</a:t>
-                      </a:r>
-                      <a:endParaRPr lang="en-IN" b="0" u="none" dirty="0">
-                        <a:solidFill>
-                          <a:schemeClr val="tx1"/>
-                        </a:solidFill>
-                      </a:endParaRPr>
-                    </a:p>
-                  </a:txBody>
-                  <a:tcPr/>
-                </a:tc>
-                <a:tc>
-                  <a:txBody>
-                    <a:bodyPr/>
-                    <a:lstStyle/>
-                    <a:p>
-                      <a:r>
-                        <a:rPr lang="en-US" sz="1800" b="1" i="0" u="sng" kern="1200" dirty="0">
-                          <a:solidFill>
-                            <a:srgbClr val="9454C3"/>
-                          </a:solidFill>
-                          <a:effectLst/>
-                          <a:latin typeface="+mn-lt"/>
-                          <a:ea typeface="+mn-ea"/>
-                          <a:cs typeface="+mn-cs"/>
-                        </a:rPr>
-                        <a:t>J. Kale Monk</a:t>
-                      </a:r>
-                      <a:r>
-                        <a:rPr lang="en-US" sz="1800" b="0" i="0" u="sng" kern="1200" dirty="0">
-                          <a:solidFill>
-                            <a:srgbClr val="9454C3"/>
-                          </a:solidFill>
-                          <a:effectLst/>
-                          <a:latin typeface="+mn-lt"/>
-                          <a:ea typeface="+mn-ea"/>
-                          <a:cs typeface="+mn-cs"/>
-                        </a:rPr>
-                        <a:t>, </a:t>
-                      </a:r>
-                      <a:r>
-                        <a:rPr lang="en-US" sz="1800" b="0" i="1" u="sng" kern="1200" dirty="0">
-                          <a:solidFill>
-                            <a:schemeClr val="tx1"/>
-                          </a:solidFill>
-                          <a:effectLst/>
-                          <a:latin typeface="+mn-lt"/>
-                          <a:ea typeface="+mn-ea"/>
-                          <a:cs typeface="+mn-cs"/>
-                        </a:rPr>
-                        <a:t>University of Missouri</a:t>
-                      </a:r>
-                    </a:p>
-                    <a:p>
-                      <a:r>
-                        <a:rPr lang="en-US" sz="1800" b="1" i="0" u="sng" kern="1200" dirty="0">
-                          <a:solidFill>
-                            <a:srgbClr val="9454C3"/>
-                          </a:solidFill>
-                          <a:effectLst/>
-                          <a:latin typeface="+mn-lt"/>
-                          <a:ea typeface="+mn-ea"/>
-                          <a:cs typeface="+mn-cs"/>
-                        </a:rPr>
-                        <a:t>Amber V. </a:t>
-                      </a:r>
-                      <a:r>
-                        <a:rPr lang="en-US" sz="1800" b="1" i="0" u="sng" kern="1200" dirty="0" err="1">
-                          <a:solidFill>
-                            <a:srgbClr val="9454C3"/>
-                          </a:solidFill>
-                          <a:effectLst/>
-                          <a:latin typeface="+mn-lt"/>
-                          <a:ea typeface="+mn-ea"/>
-                          <a:cs typeface="+mn-cs"/>
-                        </a:rPr>
-                        <a:t>Vennum</a:t>
-                      </a:r>
-                      <a:r>
-                        <a:rPr lang="en-US" sz="1800" b="0" i="0" u="sng" kern="1200" dirty="0">
-                          <a:solidFill>
-                            <a:srgbClr val="9454C3"/>
-                          </a:solidFill>
-                          <a:effectLst/>
-                          <a:latin typeface="+mn-lt"/>
-                          <a:ea typeface="+mn-ea"/>
-                          <a:cs typeface="+mn-cs"/>
-                        </a:rPr>
-                        <a:t>, </a:t>
-                      </a:r>
-                      <a:r>
-                        <a:rPr lang="en-US" sz="1800" b="0" i="1" u="sng" kern="1200" dirty="0">
-                          <a:solidFill>
-                            <a:schemeClr val="tx1"/>
-                          </a:solidFill>
-                          <a:effectLst/>
-                          <a:latin typeface="+mn-lt"/>
-                          <a:ea typeface="+mn-ea"/>
-                          <a:cs typeface="+mn-cs"/>
-                        </a:rPr>
-                        <a:t>Kansas State University</a:t>
-                      </a:r>
-                      <a:br>
-                        <a:rPr lang="en-US" dirty="0">
-                          <a:solidFill>
-                            <a:schemeClr val="tx1"/>
-                          </a:solidFill>
-                        </a:rPr>
-                      </a:br>
-                      <a:endParaRPr lang="en-IN" b="1" dirty="0">
-                        <a:solidFill>
-                          <a:schemeClr val="tx1"/>
-                        </a:solidFill>
-                      </a:endParaRPr>
-                    </a:p>
-                  </a:txBody>
-                  <a:tcPr/>
-                </a:tc>
-                <a:tc>
-                  <a:txBody>
-                    <a:bodyPr/>
-                    <a:lstStyle/>
-                    <a:p>
-                      <a:r>
-                        <a:rPr lang="en-IN" dirty="0"/>
-                        <a:t>March 01 2021</a:t>
-                      </a:r>
-                    </a:p>
-                  </a:txBody>
-                  <a:tcPr/>
-                </a:tc>
-                <a:extLst>
-                  <a:ext uri="{0D108BD9-81ED-4DB2-BD59-A6C34878D82A}">
-                    <a16:rowId xmlns:a16="http://schemas.microsoft.com/office/drawing/2014/main" val="3115533123"/>
-                  </a:ext>
-                </a:extLst>
-              </a:tr>
-            </a:tbl>
-          </a:graphicData>
-        </a:graphic>
-      </p:graphicFrame>
-    </p:spTree>
-    <p:extLst>
-      <p:ext uri="{BB962C8B-B14F-4D97-AF65-F5344CB8AC3E}">
-        <p14:creationId xmlns:p14="http://schemas.microsoft.com/office/powerpoint/2010/main" val="3696770303"/>
-      </p:ext>
-    </p:extLst>
-  </p:cSld>
-  <p:clrMapOvr>
-    <a:masterClrMapping/>
-  </p:clrMapOvr>
-</p:sld>
-</file>
-
-<file path=ppt/slides/slide4.xml><?xml version="1.0" encoding="utf-8"?>
-<p:sld xmlns:a="http://schemas.openxmlformats.org/drawingml/2006/main" xmlns:r="http://schemas.openxmlformats.org/officeDocument/2006/relationships" xmlns:p="http://schemas.openxmlformats.org/presentationml/2006/main" showMasterSp="0">
-  <p:cSld>
     <p:spTree>
       <p:nvGrpSpPr>
         <p:cNvPr id="1" name=""/>
@@ -12777,7 +11937,7 @@
 </p:sld>
 </file>
 
-<file path=ppt/slides/slide5.xml><?xml version="1.0" encoding="utf-8"?>
+<file path=ppt/slides/slide4.xml><?xml version="1.0" encoding="utf-8"?>
 <p:sld xmlns:a="http://schemas.openxmlformats.org/drawingml/2006/main" xmlns:r="http://schemas.openxmlformats.org/officeDocument/2006/relationships" xmlns:p="http://schemas.openxmlformats.org/presentationml/2006/main" showMasterSp="0">
   <p:cSld>
     <p:spTree>
@@ -13668,6 +12828,846 @@
 </p:sld>
 </file>
 
+<file path=ppt/slides/slide5.xml><?xml version="1.0" encoding="utf-8"?>
+<p:sld xmlns:a="http://schemas.openxmlformats.org/drawingml/2006/main" xmlns:r="http://schemas.openxmlformats.org/officeDocument/2006/relationships" xmlns:p="http://schemas.openxmlformats.org/presentationml/2006/main" showMasterSp="0">
+  <p:cSld>
+    <p:bg>
+      <p:bgPr>
+        <a:solidFill>
+          <a:schemeClr val="bg1">
+            <a:lumMod val="95000"/>
+          </a:schemeClr>
+        </a:solidFill>
+        <a:effectLst/>
+      </p:bgPr>
+    </p:bg>
+    <p:spTree>
+      <p:nvGrpSpPr>
+        <p:cNvPr id="1" name=""/>
+        <p:cNvGrpSpPr/>
+        <p:nvPr/>
+      </p:nvGrpSpPr>
+      <p:grpSpPr>
+        <a:xfrm>
+          <a:off x="0" y="0"/>
+          <a:ext cx="0" cy="0"/>
+          <a:chOff x="0" y="0"/>
+          <a:chExt cx="0" cy="0"/>
+        </a:xfrm>
+      </p:grpSpPr>
+      <p:sp>
+        <p:nvSpPr>
+          <p:cNvPr id="6" name="Title 4">
+            <a:extLst>
+              <a:ext uri="{FF2B5EF4-FFF2-40B4-BE49-F238E27FC236}">
+                <a16:creationId xmlns:a16="http://schemas.microsoft.com/office/drawing/2014/main" id="{0D8B5019-EDBF-BC0E-4B5D-00382962D7E4}"/>
+              </a:ext>
+            </a:extLst>
+          </p:cNvPr>
+          <p:cNvSpPr>
+            <a:spLocks noGrp="1"/>
+          </p:cNvSpPr>
+          <p:nvPr>
+            <p:ph type="title"/>
+          </p:nvPr>
+        </p:nvSpPr>
+        <p:spPr>
+          <a:xfrm>
+            <a:off x="660399" y="318652"/>
+            <a:ext cx="5497120" cy="830997"/>
+          </a:xfrm>
+        </p:spPr>
+        <p:txBody>
+          <a:bodyPr/>
+          <a:lstStyle/>
+          <a:p>
+            <a:r>
+              <a:rPr lang="en-US" sz="3600" dirty="0"/>
+              <a:t>Patent Search</a:t>
+            </a:r>
+          </a:p>
+        </p:txBody>
+      </p:sp>
+      <p:graphicFrame>
+        <p:nvGraphicFramePr>
+          <p:cNvPr id="7" name="Table 2">
+            <a:extLst>
+              <a:ext uri="{FF2B5EF4-FFF2-40B4-BE49-F238E27FC236}">
+                <a16:creationId xmlns:a16="http://schemas.microsoft.com/office/drawing/2014/main" id="{900C630F-1D04-8CBE-3D0A-810749501462}"/>
+              </a:ext>
+            </a:extLst>
+          </p:cNvPr>
+          <p:cNvGraphicFramePr>
+            <a:graphicFrameLocks noGrp="1"/>
+          </p:cNvGraphicFramePr>
+          <p:nvPr>
+            <p:extLst>
+              <p:ext uri="{D42A27DB-BD31-4B8C-83A1-F6EECF244321}">
+                <p14:modId xmlns:p14="http://schemas.microsoft.com/office/powerpoint/2010/main" val="2452644683"/>
+              </p:ext>
+            </p:extLst>
+          </p:nvPr>
+        </p:nvGraphicFramePr>
+        <p:xfrm>
+          <a:off x="660399" y="1149649"/>
+          <a:ext cx="11134521" cy="5120640"/>
+        </p:xfrm>
+        <a:graphic>
+          <a:graphicData uri="http://schemas.openxmlformats.org/drawingml/2006/table">
+            <a:tbl>
+              <a:tblPr firstRow="1" bandRow="1">
+                <a:tableStyleId>{6E25E649-3F16-4E02-A733-19D2CDBF48F0}</a:tableStyleId>
+              </a:tblPr>
+              <a:tblGrid>
+                <a:gridCol w="3711507">
+                  <a:extLst>
+                    <a:ext uri="{9D8B030D-6E8A-4147-A177-3AD203B41FA5}">
+                      <a16:colId xmlns:a16="http://schemas.microsoft.com/office/drawing/2014/main" val="1466334010"/>
+                    </a:ext>
+                  </a:extLst>
+                </a:gridCol>
+                <a:gridCol w="3711507">
+                  <a:extLst>
+                    <a:ext uri="{9D8B030D-6E8A-4147-A177-3AD203B41FA5}">
+                      <a16:colId xmlns:a16="http://schemas.microsoft.com/office/drawing/2014/main" val="21174850"/>
+                    </a:ext>
+                  </a:extLst>
+                </a:gridCol>
+                <a:gridCol w="3711507">
+                  <a:extLst>
+                    <a:ext uri="{9D8B030D-6E8A-4147-A177-3AD203B41FA5}">
+                      <a16:colId xmlns:a16="http://schemas.microsoft.com/office/drawing/2014/main" val="3198616081"/>
+                    </a:ext>
+                  </a:extLst>
+                </a:gridCol>
+              </a:tblGrid>
+              <a:tr h="361918">
+                <a:tc>
+                  <a:txBody>
+                    <a:bodyPr/>
+                    <a:lstStyle/>
+                    <a:p>
+                      <a:r>
+                        <a:rPr lang="en-IN" dirty="0"/>
+                        <a:t>Project</a:t>
+                      </a:r>
+                    </a:p>
+                  </a:txBody>
+                  <a:tcPr/>
+                </a:tc>
+                <a:tc>
+                  <a:txBody>
+                    <a:bodyPr/>
+                    <a:lstStyle/>
+                    <a:p>
+                      <a:r>
+                        <a:rPr lang="en-IN" dirty="0"/>
+                        <a:t>Done by</a:t>
+                      </a:r>
+                    </a:p>
+                  </a:txBody>
+                  <a:tcPr/>
+                </a:tc>
+                <a:tc>
+                  <a:txBody>
+                    <a:bodyPr/>
+                    <a:lstStyle/>
+                    <a:p>
+                      <a:r>
+                        <a:rPr lang="en-IN" dirty="0"/>
+                        <a:t>Published on</a:t>
+                      </a:r>
+                    </a:p>
+                  </a:txBody>
+                  <a:tcPr/>
+                </a:tc>
+                <a:extLst>
+                  <a:ext uri="{0D108BD9-81ED-4DB2-BD59-A6C34878D82A}">
+                    <a16:rowId xmlns:a16="http://schemas.microsoft.com/office/drawing/2014/main" val="439294760"/>
+                  </a:ext>
+                </a:extLst>
+              </a:tr>
+              <a:tr h="873261">
+                <a:tc>
+                  <a:txBody>
+                    <a:bodyPr/>
+                    <a:lstStyle/>
+                    <a:p>
+                      <a:pPr marL="0" marR="0" lvl="0" indent="0" algn="l" defTabSz="914400" rtl="0" eaLnBrk="1" fontAlgn="auto" latinLnBrk="0" hangingPunct="1">
+                        <a:lnSpc>
+                          <a:spcPct val="100000"/>
+                        </a:lnSpc>
+                        <a:spcBef>
+                          <a:spcPts val="0"/>
+                        </a:spcBef>
+                        <a:spcAft>
+                          <a:spcPts val="0"/>
+                        </a:spcAft>
+                        <a:buClrTx/>
+                        <a:buSzTx/>
+                        <a:buFontTx/>
+                        <a:buNone/>
+                        <a:tabLst/>
+                        <a:defRPr/>
+                      </a:pPr>
+                      <a:r>
+                        <a:rPr lang="en-US" sz="1800" b="0" i="0" kern="1200" dirty="0">
+                          <a:solidFill>
+                            <a:schemeClr val="dk1"/>
+                          </a:solidFill>
+                          <a:effectLst/>
+                          <a:latin typeface="+mn-lt"/>
+                          <a:ea typeface="+mn-ea"/>
+                          <a:cs typeface="+mn-cs"/>
+                        </a:rPr>
+                        <a:t>Crowdfunding in higher education: evidence from UK Universities</a:t>
+                      </a:r>
+                    </a:p>
+                    <a:p>
+                      <a:endParaRPr lang="en-IN" dirty="0"/>
+                    </a:p>
+                  </a:txBody>
+                  <a:tcPr/>
+                </a:tc>
+                <a:tc>
+                  <a:txBody>
+                    <a:bodyPr/>
+                    <a:lstStyle/>
+                    <a:p>
+                      <a:r>
+                        <a:rPr lang="en-IN" sz="1800" b="0" kern="1200" dirty="0">
+                          <a:solidFill>
+                            <a:schemeClr val="tx1"/>
+                          </a:solidFill>
+                          <a:effectLst/>
+                          <a:latin typeface="+mn-lt"/>
+                          <a:ea typeface="+mn-ea"/>
+                          <a:cs typeface="+mn-cs"/>
+                          <a:hlinkClick r:id="rId3">
+                            <a:extLst>
+                              <a:ext uri="{A12FA001-AC4F-418D-AE19-62706E023703}">
+                                <ahyp:hlinkClr xmlns:ahyp="http://schemas.microsoft.com/office/drawing/2018/hyperlinkcolor" val="tx"/>
+                              </a:ext>
+                            </a:extLst>
+                          </a:hlinkClick>
+                        </a:rPr>
+                        <a:t>Hugo Horta</a:t>
+                      </a:r>
+                      <a:r>
+                        <a:rPr lang="en-IN" b="0" dirty="0">
+                          <a:solidFill>
+                            <a:schemeClr val="tx1"/>
+                          </a:solidFill>
+                        </a:rPr>
+                        <a:t>, </a:t>
+                      </a:r>
+                      <a:r>
+                        <a:rPr lang="en-IN" sz="1800" b="0" kern="1200" dirty="0">
+                          <a:solidFill>
+                            <a:srgbClr val="9454C3"/>
+                          </a:solidFill>
+                          <a:effectLst/>
+                          <a:latin typeface="+mn-lt"/>
+                          <a:ea typeface="+mn-ea"/>
+                          <a:cs typeface="+mn-cs"/>
+                          <a:hlinkClick r:id="rId4">
+                            <a:extLst>
+                              <a:ext uri="{A12FA001-AC4F-418D-AE19-62706E023703}">
+                                <ahyp:hlinkClr xmlns:ahyp="http://schemas.microsoft.com/office/drawing/2018/hyperlinkcolor" val="tx"/>
+                              </a:ext>
+                            </a:extLst>
+                          </a:hlinkClick>
+                        </a:rPr>
+                        <a:t>Michele </a:t>
+                      </a:r>
+                      <a:r>
+                        <a:rPr lang="en-IN" sz="1800" b="0" kern="1200" dirty="0" err="1">
+                          <a:solidFill>
+                            <a:schemeClr val="tx1"/>
+                          </a:solidFill>
+                          <a:effectLst/>
+                          <a:latin typeface="+mn-lt"/>
+                          <a:ea typeface="+mn-ea"/>
+                          <a:cs typeface="+mn-cs"/>
+                          <a:hlinkClick r:id="rId4">
+                            <a:extLst>
+                              <a:ext uri="{A12FA001-AC4F-418D-AE19-62706E023703}">
+                                <ahyp:hlinkClr xmlns:ahyp="http://schemas.microsoft.com/office/drawing/2018/hyperlinkcolor" val="tx"/>
+                              </a:ext>
+                            </a:extLst>
+                          </a:hlinkClick>
+                        </a:rPr>
+                        <a:t>Meoli</a:t>
+                      </a:r>
+                      <a:r>
+                        <a:rPr lang="en-IN" b="0" dirty="0">
+                          <a:solidFill>
+                            <a:schemeClr val="tx1"/>
+                          </a:solidFill>
+                        </a:rPr>
+                        <a:t> &amp; </a:t>
+                      </a:r>
+                      <a:r>
+                        <a:rPr lang="en-IN" sz="1800" b="0" kern="1200" dirty="0">
+                          <a:solidFill>
+                            <a:schemeClr val="tx1"/>
+                          </a:solidFill>
+                          <a:effectLst/>
+                          <a:latin typeface="+mn-lt"/>
+                          <a:ea typeface="+mn-ea"/>
+                          <a:cs typeface="+mn-cs"/>
+                          <a:hlinkClick r:id="rId5">
+                            <a:extLst>
+                              <a:ext uri="{A12FA001-AC4F-418D-AE19-62706E023703}">
+                                <ahyp:hlinkClr xmlns:ahyp="http://schemas.microsoft.com/office/drawing/2018/hyperlinkcolor" val="tx"/>
+                              </a:ext>
+                            </a:extLst>
+                          </a:hlinkClick>
+                        </a:rPr>
+                        <a:t>Silvio Vismara</a:t>
+                      </a:r>
+                      <a:r>
+                        <a:rPr lang="en-IN" b="0" dirty="0">
+                          <a:solidFill>
+                            <a:schemeClr val="tx1"/>
+                          </a:solidFill>
+                        </a:rPr>
+                        <a:t> </a:t>
+                      </a:r>
+                    </a:p>
+                  </a:txBody>
+                  <a:tcPr/>
+                </a:tc>
+                <a:tc>
+                  <a:txBody>
+                    <a:bodyPr/>
+                    <a:lstStyle/>
+                    <a:p>
+                      <a:r>
+                        <a:rPr lang="en-IN" dirty="0"/>
+                        <a:t>17 March 2021</a:t>
+                      </a:r>
+                    </a:p>
+                  </a:txBody>
+                  <a:tcPr/>
+                </a:tc>
+                <a:extLst>
+                  <a:ext uri="{0D108BD9-81ED-4DB2-BD59-A6C34878D82A}">
+                    <a16:rowId xmlns:a16="http://schemas.microsoft.com/office/drawing/2014/main" val="938574335"/>
+                  </a:ext>
+                </a:extLst>
+              </a:tr>
+              <a:tr h="1135240">
+                <a:tc>
+                  <a:txBody>
+                    <a:bodyPr/>
+                    <a:lstStyle/>
+                    <a:p>
+                      <a:r>
+                        <a:rPr lang="en-US" sz="1800" b="0" i="0" kern="1200" dirty="0">
+                          <a:solidFill>
+                            <a:schemeClr val="dk1"/>
+                          </a:solidFill>
+                          <a:effectLst/>
+                          <a:latin typeface="+mn-lt"/>
+                          <a:ea typeface="+mn-ea"/>
+                          <a:cs typeface="+mn-cs"/>
+                        </a:rPr>
+                        <a:t>Higher education and stakeholders’ donations: successful civic crowdfunding in an Italian university</a:t>
+                      </a:r>
+                      <a:endParaRPr lang="en-IN" b="0" dirty="0"/>
+                    </a:p>
+                  </a:txBody>
+                  <a:tcPr/>
+                </a:tc>
+                <a:tc>
+                  <a:txBody>
+                    <a:bodyPr/>
+                    <a:lstStyle/>
+                    <a:p>
+                      <a:r>
+                        <a:rPr lang="it-IT" sz="1800" b="0" i="0" u="none" strike="noStrike" kern="1200" dirty="0">
+                          <a:solidFill>
+                            <a:schemeClr val="tx1"/>
+                          </a:solidFill>
+                          <a:effectLst/>
+                          <a:latin typeface="+mn-lt"/>
+                          <a:ea typeface="+mn-ea"/>
+                          <a:cs typeface="+mn-cs"/>
+                          <a:hlinkClick r:id="rId6">
+                            <a:extLst>
+                              <a:ext uri="{A12FA001-AC4F-418D-AE19-62706E023703}">
+                                <ahyp:hlinkClr xmlns:ahyp="http://schemas.microsoft.com/office/drawing/2018/hyperlinkcolor" val="tx"/>
+                              </a:ext>
+                            </a:extLst>
+                          </a:hlinkClick>
+                        </a:rPr>
+                        <a:t>Nathalie Colasanti</a:t>
+                      </a:r>
+                      <a:endParaRPr lang="it-IT" sz="1800" b="0" i="0" u="none" strike="noStrike" kern="1200" dirty="0">
+                        <a:solidFill>
+                          <a:schemeClr val="tx1"/>
+                        </a:solidFill>
+                        <a:effectLst/>
+                        <a:latin typeface="+mn-lt"/>
+                        <a:ea typeface="+mn-ea"/>
+                        <a:cs typeface="+mn-cs"/>
+                      </a:endParaRPr>
+                    </a:p>
+                    <a:p>
+                      <a:r>
+                        <a:rPr lang="it-IT" sz="1800" b="0" i="0" u="none" kern="1200" dirty="0">
+                          <a:solidFill>
+                            <a:schemeClr val="tx1"/>
+                          </a:solidFill>
+                          <a:effectLst/>
+                          <a:latin typeface="+mn-lt"/>
+                          <a:ea typeface="+mn-ea"/>
+                          <a:cs typeface="+mn-cs"/>
+                        </a:rPr>
+                        <a:t>,</a:t>
+                      </a:r>
+                      <a:r>
+                        <a:rPr lang="it-IT" sz="1800" b="0" i="0" u="none" strike="noStrike" kern="1200" dirty="0">
+                          <a:solidFill>
+                            <a:schemeClr val="tx1"/>
+                          </a:solidFill>
+                          <a:effectLst/>
+                          <a:latin typeface="+mn-lt"/>
+                          <a:ea typeface="+mn-ea"/>
+                          <a:cs typeface="+mn-cs"/>
+                          <a:hlinkClick r:id="rId7">
+                            <a:extLst>
+                              <a:ext uri="{A12FA001-AC4F-418D-AE19-62706E023703}">
+                                <ahyp:hlinkClr xmlns:ahyp="http://schemas.microsoft.com/office/drawing/2018/hyperlinkcolor" val="tx"/>
+                              </a:ext>
+                            </a:extLst>
+                          </a:hlinkClick>
+                        </a:rPr>
+                        <a:t>Rocco Frondizi</a:t>
+                      </a:r>
+                      <a:endParaRPr lang="it-IT" sz="1800" b="0" i="0" u="none" strike="noStrike" kern="1200" dirty="0">
+                        <a:solidFill>
+                          <a:schemeClr val="tx1"/>
+                        </a:solidFill>
+                        <a:effectLst/>
+                        <a:latin typeface="+mn-lt"/>
+                        <a:ea typeface="+mn-ea"/>
+                        <a:cs typeface="+mn-cs"/>
+                      </a:endParaRPr>
+                    </a:p>
+                    <a:p>
+                      <a:r>
+                        <a:rPr lang="it-IT" sz="1800" b="0" i="0" u="none" kern="1200" dirty="0">
+                          <a:solidFill>
+                            <a:schemeClr val="tx1"/>
+                          </a:solidFill>
+                          <a:effectLst/>
+                          <a:latin typeface="+mn-lt"/>
+                          <a:ea typeface="+mn-ea"/>
+                          <a:cs typeface="+mn-cs"/>
+                        </a:rPr>
+                        <a:t> &amp;</a:t>
+                      </a:r>
+                      <a:r>
+                        <a:rPr lang="it-IT" sz="1800" b="0" i="0" u="none" strike="noStrike" kern="1200" dirty="0">
+                          <a:solidFill>
+                            <a:schemeClr val="tx1"/>
+                          </a:solidFill>
+                          <a:effectLst/>
+                          <a:latin typeface="+mn-lt"/>
+                          <a:ea typeface="+mn-ea"/>
+                          <a:cs typeface="+mn-cs"/>
+                          <a:hlinkClick r:id="rId8">
+                            <a:extLst>
+                              <a:ext uri="{A12FA001-AC4F-418D-AE19-62706E023703}">
+                                <ahyp:hlinkClr xmlns:ahyp="http://schemas.microsoft.com/office/drawing/2018/hyperlinkcolor" val="tx"/>
+                              </a:ext>
+                            </a:extLst>
+                          </a:hlinkClick>
+                        </a:rPr>
+                        <a:t>Marco Meneguzzo</a:t>
+                      </a:r>
+                      <a:endParaRPr lang="it-IT" sz="1800" b="0" i="0" u="none" strike="noStrike" kern="1200" dirty="0">
+                        <a:solidFill>
+                          <a:schemeClr val="tx1"/>
+                        </a:solidFill>
+                        <a:effectLst/>
+                        <a:latin typeface="+mn-lt"/>
+                        <a:ea typeface="+mn-ea"/>
+                        <a:cs typeface="+mn-cs"/>
+                      </a:endParaRPr>
+                    </a:p>
+                    <a:p>
+                      <a:endParaRPr lang="en-IN" dirty="0"/>
+                    </a:p>
+                  </a:txBody>
+                  <a:tcPr/>
+                </a:tc>
+                <a:tc>
+                  <a:txBody>
+                    <a:bodyPr/>
+                    <a:lstStyle/>
+                    <a:p>
+                      <a:r>
+                        <a:rPr lang="en-IN" dirty="0"/>
+                        <a:t>22 March 2018</a:t>
+                      </a:r>
+                    </a:p>
+                  </a:txBody>
+                  <a:tcPr/>
+                </a:tc>
+                <a:extLst>
+                  <a:ext uri="{0D108BD9-81ED-4DB2-BD59-A6C34878D82A}">
+                    <a16:rowId xmlns:a16="http://schemas.microsoft.com/office/drawing/2014/main" val="4087782886"/>
+                  </a:ext>
+                </a:extLst>
+              </a:tr>
+              <a:tr h="1397218">
+                <a:tc>
+                  <a:txBody>
+                    <a:bodyPr/>
+                    <a:lstStyle/>
+                    <a:p>
+                      <a:pPr marL="0" marR="0" lvl="0" indent="0" algn="l" defTabSz="914400" rtl="0" eaLnBrk="1" fontAlgn="auto" latinLnBrk="0" hangingPunct="1">
+                        <a:lnSpc>
+                          <a:spcPct val="100000"/>
+                        </a:lnSpc>
+                        <a:spcBef>
+                          <a:spcPts val="0"/>
+                        </a:spcBef>
+                        <a:spcAft>
+                          <a:spcPts val="0"/>
+                        </a:spcAft>
+                        <a:buClrTx/>
+                        <a:buSzTx/>
+                        <a:buFontTx/>
+                        <a:buNone/>
+                        <a:tabLst/>
+                        <a:defRPr/>
+                      </a:pPr>
+                      <a:r>
+                        <a:rPr lang="en-US" sz="1800" b="0" i="0" kern="1200" dirty="0">
+                          <a:solidFill>
+                            <a:schemeClr val="dk1"/>
+                          </a:solidFill>
+                          <a:effectLst/>
+                          <a:latin typeface="+mn-lt"/>
+                          <a:ea typeface="+mn-ea"/>
+                          <a:cs typeface="+mn-cs"/>
+                        </a:rPr>
+                        <a:t>Empowering Education with Crowdfunding: The Role of Crowdfunded Resources and Crowd Screening</a:t>
+                      </a:r>
+                    </a:p>
+                    <a:p>
+                      <a:endParaRPr lang="en-IN" b="0" dirty="0"/>
+                    </a:p>
+                  </a:txBody>
+                  <a:tcPr/>
+                </a:tc>
+                <a:tc>
+                  <a:txBody>
+                    <a:bodyPr/>
+                    <a:lstStyle/>
+                    <a:p>
+                      <a:r>
+                        <a:rPr lang="en-IN" sz="1800" b="0" i="0" u="sng" kern="1200" dirty="0">
+                          <a:solidFill>
+                            <a:schemeClr val="tx1"/>
+                          </a:solidFill>
+                          <a:effectLst/>
+                          <a:latin typeface="+mn-lt"/>
+                          <a:ea typeface="+mn-ea"/>
+                          <a:cs typeface="+mn-cs"/>
+                          <a:hlinkClick r:id="rId9">
+                            <a:extLst>
+                              <a:ext uri="{A12FA001-AC4F-418D-AE19-62706E023703}">
+                                <ahyp:hlinkClr xmlns:ahyp="http://schemas.microsoft.com/office/drawing/2018/hyperlinkcolor" val="tx"/>
+                              </a:ext>
+                            </a:extLst>
+                          </a:hlinkClick>
+                        </a:rPr>
+                        <a:t>Chen Zhou</a:t>
+                      </a:r>
+                      <a:r>
+                        <a:rPr lang="en-IN" sz="1800" b="0" i="0" kern="1200" dirty="0">
+                          <a:solidFill>
+                            <a:schemeClr val="tx1"/>
+                          </a:solidFill>
+                          <a:effectLst/>
+                          <a:latin typeface="+mn-lt"/>
+                          <a:ea typeface="+mn-ea"/>
+                          <a:cs typeface="+mn-cs"/>
+                        </a:rPr>
+                        <a:t>, </a:t>
+                      </a:r>
+                      <a:r>
+                        <a:rPr lang="en-IN" sz="1800" b="0" i="0" u="none" strike="noStrike" kern="1200" dirty="0">
+                          <a:solidFill>
+                            <a:schemeClr val="tx1"/>
+                          </a:solidFill>
+                          <a:effectLst/>
+                          <a:latin typeface="+mn-lt"/>
+                          <a:ea typeface="+mn-ea"/>
+                          <a:cs typeface="+mn-cs"/>
+                          <a:hlinkClick r:id="rId10">
+                            <a:extLst>
+                              <a:ext uri="{A12FA001-AC4F-418D-AE19-62706E023703}">
+                                <ahyp:hlinkClr xmlns:ahyp="http://schemas.microsoft.com/office/drawing/2018/hyperlinkcolor" val="tx"/>
+                              </a:ext>
+                            </a:extLst>
+                          </a:hlinkClick>
+                        </a:rPr>
+                        <a:t>Manpreet Gill</a:t>
+                      </a:r>
+                      <a:r>
+                        <a:rPr lang="en-IN" sz="1800" b="0" i="0" kern="1200" dirty="0">
+                          <a:solidFill>
+                            <a:schemeClr val="tx1"/>
+                          </a:solidFill>
+                          <a:effectLst/>
+                          <a:latin typeface="+mn-lt"/>
+                          <a:ea typeface="+mn-ea"/>
+                          <a:cs typeface="+mn-cs"/>
+                        </a:rPr>
+                        <a:t>, </a:t>
+                      </a:r>
+                      <a:r>
+                        <a:rPr lang="en-IN" sz="1800" b="0" i="0" u="none" strike="noStrike" kern="1200" dirty="0" err="1">
+                          <a:solidFill>
+                            <a:srgbClr val="9454C3"/>
+                          </a:solidFill>
+                          <a:effectLst/>
+                          <a:latin typeface="+mn-lt"/>
+                          <a:ea typeface="+mn-ea"/>
+                          <a:cs typeface="+mn-cs"/>
+                          <a:hlinkClick r:id="rId11">
+                            <a:extLst>
+                              <a:ext uri="{A12FA001-AC4F-418D-AE19-62706E023703}">
+                                <ahyp:hlinkClr xmlns:ahyp="http://schemas.microsoft.com/office/drawing/2018/hyperlinkcolor" val="tx"/>
+                              </a:ext>
+                            </a:extLst>
+                          </a:hlinkClick>
+                        </a:rPr>
+                        <a:t>Qiang</a:t>
+                      </a:r>
+                      <a:r>
+                        <a:rPr lang="en-IN" sz="1800" b="0" i="0" u="none" strike="noStrike" kern="1200" dirty="0">
+                          <a:solidFill>
+                            <a:schemeClr val="tx1"/>
+                          </a:solidFill>
+                          <a:effectLst/>
+                          <a:latin typeface="+mn-lt"/>
+                          <a:ea typeface="+mn-ea"/>
+                          <a:cs typeface="+mn-cs"/>
+                          <a:hlinkClick r:id="rId11">
+                            <a:extLst>
+                              <a:ext uri="{A12FA001-AC4F-418D-AE19-62706E023703}">
+                                <ahyp:hlinkClr xmlns:ahyp="http://schemas.microsoft.com/office/drawing/2018/hyperlinkcolor" val="tx"/>
+                              </a:ext>
+                            </a:extLst>
+                          </a:hlinkClick>
+                        </a:rPr>
+                        <a:t> Liu</a:t>
+                      </a:r>
+                      <a:endParaRPr lang="en-IN" b="1" dirty="0">
+                        <a:solidFill>
+                          <a:schemeClr val="tx1"/>
+                        </a:solidFill>
+                      </a:endParaRPr>
+                    </a:p>
+                  </a:txBody>
+                  <a:tcPr/>
+                </a:tc>
+                <a:tc>
+                  <a:txBody>
+                    <a:bodyPr/>
+                    <a:lstStyle/>
+                    <a:p>
+                      <a:r>
+                        <a:rPr lang="en-IN" dirty="0"/>
+                        <a:t>November 2 2021</a:t>
+                      </a:r>
+                    </a:p>
+                  </a:txBody>
+                  <a:tcPr/>
+                </a:tc>
+                <a:extLst>
+                  <a:ext uri="{0D108BD9-81ED-4DB2-BD59-A6C34878D82A}">
+                    <a16:rowId xmlns:a16="http://schemas.microsoft.com/office/drawing/2014/main" val="2444474451"/>
+                  </a:ext>
+                </a:extLst>
+              </a:tr>
+              <a:tr h="873261">
+                <a:tc>
+                  <a:txBody>
+                    <a:bodyPr/>
+                    <a:lstStyle/>
+                    <a:p>
+                      <a:r>
+                        <a:rPr lang="en-US" sz="1800" b="0" i="0" u="none" strike="noStrike" kern="1200" dirty="0">
+                          <a:solidFill>
+                            <a:schemeClr val="tx1"/>
+                          </a:solidFill>
+                          <a:effectLst/>
+                          <a:latin typeface="+mn-lt"/>
+                          <a:ea typeface="+mn-ea"/>
+                          <a:cs typeface="+mn-cs"/>
+                        </a:rPr>
+                        <a:t>How to Use Crowdfunding in Extension: A Relationship Education Example</a:t>
+                      </a:r>
+                      <a:endParaRPr lang="en-IN" b="0" u="none" dirty="0">
+                        <a:solidFill>
+                          <a:schemeClr val="tx1"/>
+                        </a:solidFill>
+                      </a:endParaRPr>
+                    </a:p>
+                  </a:txBody>
+                  <a:tcPr/>
+                </a:tc>
+                <a:tc>
+                  <a:txBody>
+                    <a:bodyPr/>
+                    <a:lstStyle/>
+                    <a:p>
+                      <a:r>
+                        <a:rPr lang="en-US" sz="1800" b="1" i="0" u="sng" kern="1200" dirty="0">
+                          <a:solidFill>
+                            <a:srgbClr val="9454C3"/>
+                          </a:solidFill>
+                          <a:effectLst/>
+                          <a:latin typeface="+mn-lt"/>
+                          <a:ea typeface="+mn-ea"/>
+                          <a:cs typeface="+mn-cs"/>
+                        </a:rPr>
+                        <a:t>J. Kale Monk</a:t>
+                      </a:r>
+                      <a:r>
+                        <a:rPr lang="en-US" sz="1800" b="0" i="0" u="sng" kern="1200" dirty="0">
+                          <a:solidFill>
+                            <a:srgbClr val="9454C3"/>
+                          </a:solidFill>
+                          <a:effectLst/>
+                          <a:latin typeface="+mn-lt"/>
+                          <a:ea typeface="+mn-ea"/>
+                          <a:cs typeface="+mn-cs"/>
+                        </a:rPr>
+                        <a:t>, </a:t>
+                      </a:r>
+                      <a:r>
+                        <a:rPr lang="en-US" sz="1800" b="0" i="1" u="sng" kern="1200" dirty="0">
+                          <a:solidFill>
+                            <a:schemeClr val="tx1"/>
+                          </a:solidFill>
+                          <a:effectLst/>
+                          <a:latin typeface="+mn-lt"/>
+                          <a:ea typeface="+mn-ea"/>
+                          <a:cs typeface="+mn-cs"/>
+                        </a:rPr>
+                        <a:t>University of Missouri</a:t>
+                      </a:r>
+                    </a:p>
+                    <a:p>
+                      <a:r>
+                        <a:rPr lang="en-US" sz="1800" b="1" i="0" u="sng" kern="1200" dirty="0">
+                          <a:solidFill>
+                            <a:srgbClr val="9454C3"/>
+                          </a:solidFill>
+                          <a:effectLst/>
+                          <a:latin typeface="+mn-lt"/>
+                          <a:ea typeface="+mn-ea"/>
+                          <a:cs typeface="+mn-cs"/>
+                        </a:rPr>
+                        <a:t>Amber V. </a:t>
+                      </a:r>
+                      <a:r>
+                        <a:rPr lang="en-US" sz="1800" b="1" i="0" u="sng" kern="1200" dirty="0" err="1">
+                          <a:solidFill>
+                            <a:srgbClr val="9454C3"/>
+                          </a:solidFill>
+                          <a:effectLst/>
+                          <a:latin typeface="+mn-lt"/>
+                          <a:ea typeface="+mn-ea"/>
+                          <a:cs typeface="+mn-cs"/>
+                        </a:rPr>
+                        <a:t>Vennum</a:t>
+                      </a:r>
+                      <a:r>
+                        <a:rPr lang="en-US" sz="1800" b="0" i="0" u="sng" kern="1200" dirty="0">
+                          <a:solidFill>
+                            <a:srgbClr val="9454C3"/>
+                          </a:solidFill>
+                          <a:effectLst/>
+                          <a:latin typeface="+mn-lt"/>
+                          <a:ea typeface="+mn-ea"/>
+                          <a:cs typeface="+mn-cs"/>
+                        </a:rPr>
+                        <a:t>, </a:t>
+                      </a:r>
+                      <a:r>
+                        <a:rPr lang="en-US" sz="1800" b="0" i="1" u="sng" kern="1200" dirty="0">
+                          <a:solidFill>
+                            <a:schemeClr val="tx1"/>
+                          </a:solidFill>
+                          <a:effectLst/>
+                          <a:latin typeface="+mn-lt"/>
+                          <a:ea typeface="+mn-ea"/>
+                          <a:cs typeface="+mn-cs"/>
+                        </a:rPr>
+                        <a:t>Kansas State University</a:t>
+                      </a:r>
+                      <a:br>
+                        <a:rPr lang="en-US" dirty="0">
+                          <a:solidFill>
+                            <a:schemeClr val="tx1"/>
+                          </a:solidFill>
+                        </a:rPr>
+                      </a:br>
+                      <a:endParaRPr lang="en-IN" b="1" dirty="0">
+                        <a:solidFill>
+                          <a:schemeClr val="tx1"/>
+                        </a:solidFill>
+                      </a:endParaRPr>
+                    </a:p>
+                  </a:txBody>
+                  <a:tcPr/>
+                </a:tc>
+                <a:tc>
+                  <a:txBody>
+                    <a:bodyPr/>
+                    <a:lstStyle/>
+                    <a:p>
+                      <a:r>
+                        <a:rPr lang="en-IN" dirty="0"/>
+                        <a:t>March 01 2021</a:t>
+                      </a:r>
+                    </a:p>
+                  </a:txBody>
+                  <a:tcPr/>
+                </a:tc>
+                <a:extLst>
+                  <a:ext uri="{0D108BD9-81ED-4DB2-BD59-A6C34878D82A}">
+                    <a16:rowId xmlns:a16="http://schemas.microsoft.com/office/drawing/2014/main" val="3115533123"/>
+                  </a:ext>
+                </a:extLst>
+              </a:tr>
+            </a:tbl>
+          </a:graphicData>
+        </a:graphic>
+      </p:graphicFrame>
+    </p:spTree>
+    <p:extLst>
+      <p:ext uri="{BB962C8B-B14F-4D97-AF65-F5344CB8AC3E}">
+        <p14:creationId xmlns:p14="http://schemas.microsoft.com/office/powerpoint/2010/main" val="3696770303"/>
+      </p:ext>
+    </p:extLst>
+  </p:cSld>
+  <p:clrMapOvr>
+    <a:masterClrMapping/>
+  </p:clrMapOvr>
+</p:sld>
+</file>
+
 <file path=ppt/slides/slide6.xml><?xml version="1.0" encoding="utf-8"?>
 <p:sld xmlns:a="http://schemas.openxmlformats.org/drawingml/2006/main" xmlns:r="http://schemas.openxmlformats.org/officeDocument/2006/relationships" xmlns:p="http://schemas.openxmlformats.org/presentationml/2006/main" showMasterSp="0">
   <p:cSld>
@@ -13770,6 +13770,70 @@
             <a:r>
               <a:rPr lang="en-US" dirty="0"/>
               <a:t>Integrated Wallet got 15 points in concept screening whereas we can also include admin confirmation on withdrawal so it ensures scam protection of the fund donated</a:t>
+            </a:r>
+          </a:p>
+          <a:p>
+            <a:pPr marL="342900" indent="-342900">
+              <a:lnSpc>
+                <a:spcPct val="100000"/>
+              </a:lnSpc>
+              <a:buClr>
+                <a:schemeClr val="accent2"/>
+              </a:buClr>
+              <a:buFont typeface="Wingdings" panose="05000000000000000000" pitchFamily="2" charset="2"/>
+              <a:buChar char="q"/>
+            </a:pPr>
+            <a:r>
+              <a:rPr lang="en-US" dirty="0"/>
+              <a:t>Every withdrawal will go for an approval from admin thus it ensures the security of fund management.</a:t>
+            </a:r>
+          </a:p>
+          <a:p>
+            <a:pPr marL="342900" indent="-342900">
+              <a:lnSpc>
+                <a:spcPct val="100000"/>
+              </a:lnSpc>
+              <a:buClr>
+                <a:schemeClr val="accent2"/>
+              </a:buClr>
+              <a:buFont typeface="Wingdings" panose="05000000000000000000" pitchFamily="2" charset="2"/>
+              <a:buChar char="q"/>
+            </a:pPr>
+            <a:r>
+              <a:rPr lang="en-US" dirty="0"/>
+              <a:t>Every fundraising will be listed to admin for verification of documents, skillsets uploaded to showcase in the fundraising section.</a:t>
+            </a:r>
+          </a:p>
+          <a:p>
+            <a:pPr marL="342900" indent="-342900">
+              <a:lnSpc>
+                <a:spcPct val="100000"/>
+              </a:lnSpc>
+              <a:buClr>
+                <a:schemeClr val="accent2"/>
+              </a:buClr>
+              <a:buFont typeface="Wingdings" panose="05000000000000000000" pitchFamily="2" charset="2"/>
+              <a:buChar char="q"/>
+            </a:pPr>
+            <a:r>
+              <a:rPr lang="en-US" dirty="0"/>
+              <a:t>Voting is enabled in the way that helps in filtering the fundraising based on the ability of the fundraisers.</a:t>
+            </a:r>
+          </a:p>
+          <a:p>
+            <a:pPr marL="342900" indent="-342900">
+              <a:lnSpc>
+                <a:spcPct val="100000"/>
+              </a:lnSpc>
+              <a:buClr>
+                <a:schemeClr val="accent2"/>
+              </a:buClr>
+              <a:buFont typeface="Wingdings" panose="05000000000000000000" pitchFamily="2" charset="2"/>
+              <a:buChar char="q"/>
+            </a:pPr>
+            <a:r>
+              <a:rPr lang="en-US" dirty="0"/>
+              <a:t>Auto rejection of fundraising is not a better way to reject a fundraising cause a fundraising request may get more number of donors in feature and before deadline of fundraising.</a:t>
             </a:r>
           </a:p>
         </p:txBody>
@@ -14651,6 +14715,15 @@
 </file>
 
 <file path=customXml/item2.xml><?xml version="1.0" encoding="utf-8"?>
+<?mso-contentType ?>
+<FormTemplates xmlns="http://schemas.microsoft.com/sharepoint/v3/contenttype/forms">
+  <Display>DocumentLibraryForm</Display>
+  <Edit>DocumentLibraryForm</Edit>
+  <New>DocumentLibraryForm</New>
+</FormTemplates>
+</file>
+
+<file path=customXml/item3.xml><?xml version="1.0" encoding="utf-8"?>
 <ct:contentTypeSchema xmlns:ct="http://schemas.microsoft.com/office/2006/metadata/contentType" xmlns:ma="http://schemas.microsoft.com/office/2006/metadata/properties/metaAttributes" ct:_="" ma:_="" ma:contentTypeName="Document" ma:contentTypeID="0x01010079F111ED35F8CC479449609E8A0923A6" ma:contentTypeVersion="12" ma:contentTypeDescription="Create a new document." ma:contentTypeScope="" ma:versionID="426e97fa315356fffbdcd9876fe988c2">
   <xsd:schema xmlns:xsd="http://www.w3.org/2001/XMLSchema" xmlns:xs="http://www.w3.org/2001/XMLSchema" xmlns:p="http://schemas.microsoft.com/office/2006/metadata/properties" xmlns:ns2="71af3243-3dd4-4a8d-8c0d-dd76da1f02a5" xmlns:ns3="16c05727-aa75-4e4a-9b5f-8a80a1165891" targetNamespace="http://schemas.microsoft.com/office/2006/metadata/properties" ma:root="true" ma:fieldsID="14b8f0def80e6d70ce3def20c90759ae" ns2:_="" ns3:_="">
     <xsd:import namespace="71af3243-3dd4-4a8d-8c0d-dd76da1f02a5"/>
@@ -14871,15 +14944,6 @@
 </ct:contentTypeSchema>
 </file>
 
-<file path=customXml/item3.xml><?xml version="1.0" encoding="utf-8"?>
-<?mso-contentType ?>
-<FormTemplates xmlns="http://schemas.microsoft.com/sharepoint/v3/contenttype/forms">
-  <Display>DocumentLibraryForm</Display>
-  <Edit>DocumentLibraryForm</Edit>
-  <New>DocumentLibraryForm</New>
-</FormTemplates>
-</file>
-
 <file path=customXml/itemProps1.xml><?xml version="1.0" encoding="utf-8"?>
 <ds:datastoreItem xmlns:ds="http://schemas.openxmlformats.org/officeDocument/2006/customXml" ds:itemID="{4DEA9014-ED64-4558-B1E1-D03F0EE32BEB}">
   <ds:schemaRefs>
@@ -14893,6 +14957,14 @@
 </file>
 
 <file path=customXml/itemProps2.xml><?xml version="1.0" encoding="utf-8"?>
+<ds:datastoreItem xmlns:ds="http://schemas.openxmlformats.org/officeDocument/2006/customXml" ds:itemID="{05D99ABA-76CE-4A8E-B5F0-C051B96628DE}">
+  <ds:schemaRefs>
+    <ds:schemaRef ds:uri="http://schemas.microsoft.com/sharepoint/v3/contenttype/forms"/>
+  </ds:schemaRefs>
+</ds:datastoreItem>
+</file>
+
+<file path=customXml/itemProps3.xml><?xml version="1.0" encoding="utf-8"?>
 <ds:datastoreItem xmlns:ds="http://schemas.openxmlformats.org/officeDocument/2006/customXml" ds:itemID="{B19EB750-A6DA-4BE8-B87B-FC499FE73360}">
   <ds:schemaRefs>
     <ds:schemaRef ds:uri="http://schemas.microsoft.com/office/2006/metadata/contentType"/>
@@ -14910,12 +14982,4 @@
     <ds:schemaRef ds:uri="http://schemas.microsoft.com/internal/obd"/>
   </ds:schemaRefs>
 </ds:datastoreItem>
-</file>
-
-<file path=customXml/itemProps3.xml><?xml version="1.0" encoding="utf-8"?>
-<ds:datastoreItem xmlns:ds="http://schemas.openxmlformats.org/officeDocument/2006/customXml" ds:itemID="{05D99ABA-76CE-4A8E-B5F0-C051B96628DE}">
-  <ds:schemaRefs>
-    <ds:schemaRef ds:uri="http://schemas.microsoft.com/sharepoint/v3/contenttype/forms"/>
-  </ds:schemaRefs>
-</ds:datastoreItem>
 </file>